--- a/CoDE2回目授業内課題.pptx
+++ b/CoDE2回目授業内課題.pptx
@@ -259,7 +259,7 @@
           <a:p>
             <a:fld id="{4BA10A6A-C912-4EC8-9053-36C17DE4794F}" type="datetimeFigureOut">
               <a:rPr kumimoji="1" lang="ja-JP" altLang="en-US" smtClean="0"/>
-              <a:t>2022/6/20</a:t>
+              <a:t>2022/6/21</a:t>
             </a:fld>
             <a:endParaRPr kumimoji="1" lang="ja-JP" altLang="en-US"/>
           </a:p>
@@ -489,7 +489,7 @@
           <a:p>
             <a:fld id="{4BA10A6A-C912-4EC8-9053-36C17DE4794F}" type="datetimeFigureOut">
               <a:rPr kumimoji="1" lang="ja-JP" altLang="en-US" smtClean="0"/>
-              <a:t>2022/6/20</a:t>
+              <a:t>2022/6/21</a:t>
             </a:fld>
             <a:endParaRPr kumimoji="1" lang="ja-JP" altLang="en-US"/>
           </a:p>
@@ -729,7 +729,7 @@
           <a:p>
             <a:fld id="{4BA10A6A-C912-4EC8-9053-36C17DE4794F}" type="datetimeFigureOut">
               <a:rPr kumimoji="1" lang="ja-JP" altLang="en-US" smtClean="0"/>
-              <a:t>2022/6/20</a:t>
+              <a:t>2022/6/21</a:t>
             </a:fld>
             <a:endParaRPr kumimoji="1" lang="ja-JP" altLang="en-US"/>
           </a:p>
@@ -959,7 +959,7 @@
           <a:p>
             <a:fld id="{4BA10A6A-C912-4EC8-9053-36C17DE4794F}" type="datetimeFigureOut">
               <a:rPr kumimoji="1" lang="ja-JP" altLang="en-US" smtClean="0"/>
-              <a:t>2022/6/20</a:t>
+              <a:t>2022/6/21</a:t>
             </a:fld>
             <a:endParaRPr kumimoji="1" lang="ja-JP" altLang="en-US"/>
           </a:p>
@@ -1234,7 +1234,7 @@
           <a:p>
             <a:fld id="{4BA10A6A-C912-4EC8-9053-36C17DE4794F}" type="datetimeFigureOut">
               <a:rPr kumimoji="1" lang="ja-JP" altLang="en-US" smtClean="0"/>
-              <a:t>2022/6/20</a:t>
+              <a:t>2022/6/21</a:t>
             </a:fld>
             <a:endParaRPr kumimoji="1" lang="ja-JP" altLang="en-US"/>
           </a:p>
@@ -1563,7 +1563,7 @@
           <a:p>
             <a:fld id="{4BA10A6A-C912-4EC8-9053-36C17DE4794F}" type="datetimeFigureOut">
               <a:rPr kumimoji="1" lang="ja-JP" altLang="en-US" smtClean="0"/>
-              <a:t>2022/6/20</a:t>
+              <a:t>2022/6/21</a:t>
             </a:fld>
             <a:endParaRPr kumimoji="1" lang="ja-JP" altLang="en-US"/>
           </a:p>
@@ -2039,7 +2039,7 @@
           <a:p>
             <a:fld id="{4BA10A6A-C912-4EC8-9053-36C17DE4794F}" type="datetimeFigureOut">
               <a:rPr kumimoji="1" lang="ja-JP" altLang="en-US" smtClean="0"/>
-              <a:t>2022/6/20</a:t>
+              <a:t>2022/6/21</a:t>
             </a:fld>
             <a:endParaRPr kumimoji="1" lang="ja-JP" altLang="en-US"/>
           </a:p>
@@ -2180,7 +2180,7 @@
           <a:p>
             <a:fld id="{4BA10A6A-C912-4EC8-9053-36C17DE4794F}" type="datetimeFigureOut">
               <a:rPr kumimoji="1" lang="ja-JP" altLang="en-US" smtClean="0"/>
-              <a:t>2022/6/20</a:t>
+              <a:t>2022/6/21</a:t>
             </a:fld>
             <a:endParaRPr kumimoji="1" lang="ja-JP" altLang="en-US"/>
           </a:p>
@@ -2293,7 +2293,7 @@
           <a:p>
             <a:fld id="{4BA10A6A-C912-4EC8-9053-36C17DE4794F}" type="datetimeFigureOut">
               <a:rPr kumimoji="1" lang="ja-JP" altLang="en-US" smtClean="0"/>
-              <a:t>2022/6/20</a:t>
+              <a:t>2022/6/21</a:t>
             </a:fld>
             <a:endParaRPr kumimoji="1" lang="ja-JP" altLang="en-US"/>
           </a:p>
@@ -2636,7 +2636,7 @@
           <a:p>
             <a:fld id="{4BA10A6A-C912-4EC8-9053-36C17DE4794F}" type="datetimeFigureOut">
               <a:rPr kumimoji="1" lang="ja-JP" altLang="en-US" smtClean="0"/>
-              <a:t>2022/6/20</a:t>
+              <a:t>2022/6/21</a:t>
             </a:fld>
             <a:endParaRPr kumimoji="1" lang="ja-JP" altLang="en-US"/>
           </a:p>
@@ -2924,7 +2924,7 @@
           <a:p>
             <a:fld id="{4BA10A6A-C912-4EC8-9053-36C17DE4794F}" type="datetimeFigureOut">
               <a:rPr kumimoji="1" lang="ja-JP" altLang="en-US" smtClean="0"/>
-              <a:t>2022/6/20</a:t>
+              <a:t>2022/6/21</a:t>
             </a:fld>
             <a:endParaRPr kumimoji="1" lang="ja-JP" altLang="en-US"/>
           </a:p>
@@ -3197,7 +3197,7 @@
           <a:p>
             <a:fld id="{4BA10A6A-C912-4EC8-9053-36C17DE4794F}" type="datetimeFigureOut">
               <a:rPr kumimoji="1" lang="ja-JP" altLang="en-US" smtClean="0"/>
-              <a:t>2022/6/20</a:t>
+              <a:t>2022/6/21</a:t>
             </a:fld>
             <a:endParaRPr kumimoji="1" lang="ja-JP" altLang="en-US"/>
           </a:p>
